--- a/week01_실습환경만들기.pptx
+++ b/week01_실습환경만들기.pptx
@@ -5,18 +5,19 @@
     <p:sldMasterId id="2147483705" r:id="rId1"/>
   </p:sldMasterIdLst>
   <p:notesMasterIdLst>
-    <p:notesMasterId r:id="rId8"/>
+    <p:notesMasterId r:id="rId9"/>
   </p:notesMasterIdLst>
   <p:handoutMasterIdLst>
-    <p:handoutMasterId r:id="rId9"/>
+    <p:handoutMasterId r:id="rId10"/>
   </p:handoutMasterIdLst>
   <p:sldIdLst>
     <p:sldId id="805" r:id="rId2"/>
     <p:sldId id="818" r:id="rId3"/>
     <p:sldId id="806" r:id="rId4"/>
     <p:sldId id="823" r:id="rId5"/>
-    <p:sldId id="826" r:id="rId6"/>
-    <p:sldId id="825" r:id="rId7"/>
+    <p:sldId id="827" r:id="rId6"/>
+    <p:sldId id="826" r:id="rId7"/>
+    <p:sldId id="825" r:id="rId8"/>
   </p:sldIdLst>
   <p:sldSz cx="12192000" cy="6858000"/>
   <p:notesSz cx="6858000" cy="9144000"/>
@@ -9498,6 +9499,156 @@
           </a:p>
         </p:txBody>
       </p:sp>
+      <p:sp>
+        <p:nvSpPr>
+          <p:cNvPr id="24" name="직사각형 23">
+            <a:extLst>
+              <a:ext uri="{FF2B5EF4-FFF2-40B4-BE49-F238E27FC236}">
+                <a16:creationId xmlns:a16="http://schemas.microsoft.com/office/drawing/2014/main" id="{9533C21B-A5BD-A69A-BF35-1A65C0A86850}"/>
+              </a:ext>
+            </a:extLst>
+          </p:cNvPr>
+          <p:cNvSpPr/>
+          <p:nvPr/>
+        </p:nvSpPr>
+        <p:spPr>
+          <a:xfrm>
+            <a:off x="6949439" y="6580915"/>
+            <a:ext cx="844732" cy="277086"/>
+          </a:xfrm>
+          <a:prstGeom prst="rect">
+            <a:avLst/>
+          </a:prstGeom>
+          <a:noFill/>
+          <a:ln w="57150">
+            <a:solidFill>
+              <a:srgbClr val="FF0000"/>
+            </a:solidFill>
+          </a:ln>
+        </p:spPr>
+        <p:style>
+          <a:lnRef idx="2">
+            <a:schemeClr val="accent1">
+              <a:shade val="15000"/>
+            </a:schemeClr>
+          </a:lnRef>
+          <a:fillRef idx="1">
+            <a:schemeClr val="accent1"/>
+          </a:fillRef>
+          <a:effectRef idx="0">
+            <a:schemeClr val="accent1"/>
+          </a:effectRef>
+          <a:fontRef idx="minor">
+            <a:schemeClr val="lt1"/>
+          </a:fontRef>
+        </p:style>
+        <p:txBody>
+          <a:bodyPr rtlCol="0" anchor="ctr"/>
+          <a:lstStyle/>
+          <a:p>
+            <a:pPr algn="ctr"/>
+            <a:endParaRPr lang="ko-KR" altLang="en-US" dirty="0"/>
+          </a:p>
+        </p:txBody>
+      </p:sp>
+      <p:sp>
+        <p:nvSpPr>
+          <p:cNvPr id="25" name="TextBox 24">
+            <a:extLst>
+              <a:ext uri="{FF2B5EF4-FFF2-40B4-BE49-F238E27FC236}">
+                <a16:creationId xmlns:a16="http://schemas.microsoft.com/office/drawing/2014/main" id="{1995C1A0-0DC3-ABE2-66DC-FCBC54ECCC26}"/>
+              </a:ext>
+            </a:extLst>
+          </p:cNvPr>
+          <p:cNvSpPr txBox="1"/>
+          <p:nvPr/>
+        </p:nvSpPr>
+        <p:spPr>
+          <a:xfrm>
+            <a:off x="5269376" y="6124302"/>
+            <a:ext cx="915635" cy="369332"/>
+          </a:xfrm>
+          <a:prstGeom prst="rect">
+            <a:avLst/>
+          </a:prstGeom>
+          <a:noFill/>
+        </p:spPr>
+        <p:txBody>
+          <a:bodyPr wrap="none" rtlCol="0">
+            <a:spAutoFit/>
+          </a:bodyPr>
+          <a:lstStyle/>
+          <a:p>
+            <a:r>
+              <a:rPr lang="en-US" altLang="ko-KR" b="1" dirty="0">
+                <a:solidFill>
+                  <a:srgbClr val="FF0000"/>
+                </a:solidFill>
+                <a:latin typeface="한컴 말랑말랑 Bold" panose="020F0803000000000000" pitchFamily="50" charset="-127"/>
+                <a:ea typeface="한컴 말랑말랑 Bold" panose="020F0803000000000000" pitchFamily="50" charset="-127"/>
+              </a:rPr>
+              <a:t>go</a:t>
+            </a:r>
+            <a:r>
+              <a:rPr lang="ko-KR" altLang="en-US" b="1" dirty="0">
+                <a:solidFill>
+                  <a:srgbClr val="FF0000"/>
+                </a:solidFill>
+                <a:latin typeface="한컴 말랑말랑 Bold" panose="020F0803000000000000" pitchFamily="50" charset="-127"/>
+                <a:ea typeface="한컴 말랑말랑 Bold" panose="020F0803000000000000" pitchFamily="50" charset="-127"/>
+              </a:rPr>
+              <a:t> </a:t>
+            </a:r>
+            <a:r>
+              <a:rPr lang="en-US" altLang="ko-KR" b="1" dirty="0">
+                <a:solidFill>
+                  <a:srgbClr val="FF0000"/>
+                </a:solidFill>
+                <a:latin typeface="한컴 말랑말랑 Bold" panose="020F0803000000000000" pitchFamily="50" charset="-127"/>
+                <a:ea typeface="한컴 말랑말랑 Bold" panose="020F0803000000000000" pitchFamily="50" charset="-127"/>
+              </a:rPr>
+              <a:t>live</a:t>
+            </a:r>
+            <a:endParaRPr lang="ko-KR" altLang="en-US" b="1" dirty="0">
+              <a:solidFill>
+                <a:srgbClr val="FF0000"/>
+              </a:solidFill>
+              <a:latin typeface="한컴 말랑말랑 Bold" panose="020F0803000000000000" pitchFamily="50" charset="-127"/>
+              <a:ea typeface="한컴 말랑말랑 Bold" panose="020F0803000000000000" pitchFamily="50" charset="-127"/>
+            </a:endParaRPr>
+          </a:p>
+        </p:txBody>
+      </p:sp>
+      <p:pic>
+        <p:nvPicPr>
+          <p:cNvPr id="27" name="그림 26">
+            <a:extLst>
+              <a:ext uri="{FF2B5EF4-FFF2-40B4-BE49-F238E27FC236}">
+                <a16:creationId xmlns:a16="http://schemas.microsoft.com/office/drawing/2014/main" id="{61E5DD37-0260-A647-8765-893507EDE9FB}"/>
+              </a:ext>
+            </a:extLst>
+          </p:cNvPr>
+          <p:cNvPicPr>
+            <a:picLocks noChangeAspect="1"/>
+          </p:cNvPicPr>
+          <p:nvPr/>
+        </p:nvPicPr>
+        <p:blipFill>
+          <a:blip r:embed="rId3"/>
+          <a:stretch>
+            <a:fillRect/>
+          </a:stretch>
+        </p:blipFill>
+        <p:spPr>
+          <a:xfrm>
+            <a:off x="7794171" y="5275421"/>
+            <a:ext cx="1899098" cy="1364400"/>
+          </a:xfrm>
+          <a:prstGeom prst="rect">
+            <a:avLst/>
+          </a:prstGeom>
+        </p:spPr>
+      </p:pic>
     </p:spTree>
     <p:extLst>
       <p:ext uri="{BB962C8B-B14F-4D97-AF65-F5344CB8AC3E}">
@@ -9512,6 +9663,277 @@
 </file>
 
 <file path=ppt/slides/slide5.xml><?xml version="1.0" encoding="utf-8"?>
+<p:sld xmlns:a="http://schemas.openxmlformats.org/drawingml/2006/main" xmlns:r="http://schemas.openxmlformats.org/officeDocument/2006/relationships" xmlns:p="http://schemas.openxmlformats.org/presentationml/2006/main">
+  <p:cSld>
+    <p:spTree>
+      <p:nvGrpSpPr>
+        <p:cNvPr id="1" name="">
+          <a:extLst>
+            <a:ext uri="{FF2B5EF4-FFF2-40B4-BE49-F238E27FC236}">
+              <a16:creationId xmlns:a16="http://schemas.microsoft.com/office/drawing/2014/main" id="{67CD0119-0839-9A10-243D-74943449AC67}"/>
+            </a:ext>
+          </a:extLst>
+        </p:cNvPr>
+        <p:cNvGrpSpPr/>
+        <p:nvPr/>
+      </p:nvGrpSpPr>
+      <p:grpSpPr>
+        <a:xfrm>
+          <a:off x="0" y="0"/>
+          <a:ext cx="0" cy="0"/>
+          <a:chOff x="0" y="0"/>
+          <a:chExt cx="0" cy="0"/>
+        </a:xfrm>
+      </p:grpSpPr>
+      <p:sp>
+        <p:nvSpPr>
+          <p:cNvPr id="2" name="슬라이드 번호 개체 틀 1">
+            <a:extLst>
+              <a:ext uri="{FF2B5EF4-FFF2-40B4-BE49-F238E27FC236}">
+                <a16:creationId xmlns:a16="http://schemas.microsoft.com/office/drawing/2014/main" id="{456B099F-846F-78B5-F700-59A4E9A8A1F4}"/>
+              </a:ext>
+            </a:extLst>
+          </p:cNvPr>
+          <p:cNvSpPr>
+            <a:spLocks noGrp="1"/>
+          </p:cNvSpPr>
+          <p:nvPr>
+            <p:ph type="sldNum" sz="quarter" idx="12"/>
+          </p:nvPr>
+        </p:nvSpPr>
+        <p:spPr>
+          <a:xfrm>
+            <a:off x="10514011" y="6036261"/>
+            <a:ext cx="753545" cy="365125"/>
+          </a:xfrm>
+        </p:spPr>
+        <p:txBody>
+          <a:bodyPr/>
+          <a:lstStyle/>
+          <a:p>
+            <a:fld id="{D57F1E4F-1CFF-5643-939E-217C01CDF565}" type="slidenum">
+              <a:rPr lang="en-US" smtClean="0"/>
+              <a:pPr/>
+              <a:t>5</a:t>
+            </a:fld>
+            <a:endParaRPr lang="en-US" dirty="0"/>
+          </a:p>
+        </p:txBody>
+      </p:sp>
+      <p:sp>
+        <p:nvSpPr>
+          <p:cNvPr id="21" name="직사각형 20">
+            <a:extLst>
+              <a:ext uri="{FF2B5EF4-FFF2-40B4-BE49-F238E27FC236}">
+                <a16:creationId xmlns:a16="http://schemas.microsoft.com/office/drawing/2014/main" id="{446FD7B0-6939-E510-B2FE-C8E7667E927B}"/>
+              </a:ext>
+            </a:extLst>
+          </p:cNvPr>
+          <p:cNvSpPr/>
+          <p:nvPr/>
+        </p:nvSpPr>
+        <p:spPr>
+          <a:xfrm>
+            <a:off x="5384565" y="4260080"/>
+            <a:ext cx="2390504" cy="370115"/>
+          </a:xfrm>
+          <a:prstGeom prst="rect">
+            <a:avLst/>
+          </a:prstGeom>
+          <a:noFill/>
+          <a:ln w="57150">
+            <a:solidFill>
+              <a:srgbClr val="FF0000"/>
+            </a:solidFill>
+          </a:ln>
+        </p:spPr>
+        <p:style>
+          <a:lnRef idx="2">
+            <a:schemeClr val="accent1">
+              <a:shade val="15000"/>
+            </a:schemeClr>
+          </a:lnRef>
+          <a:fillRef idx="1">
+            <a:schemeClr val="accent1"/>
+          </a:fillRef>
+          <a:effectRef idx="0">
+            <a:schemeClr val="accent1"/>
+          </a:effectRef>
+          <a:fontRef idx="minor">
+            <a:schemeClr val="lt1"/>
+          </a:fontRef>
+        </p:style>
+        <p:txBody>
+          <a:bodyPr rtlCol="0" anchor="ctr"/>
+          <a:lstStyle/>
+          <a:p>
+            <a:pPr algn="ctr"/>
+            <a:endParaRPr lang="ko-KR" altLang="en-US" dirty="0"/>
+          </a:p>
+        </p:txBody>
+      </p:sp>
+      <p:sp>
+        <p:nvSpPr>
+          <p:cNvPr id="22" name="TextBox 21">
+            <a:extLst>
+              <a:ext uri="{FF2B5EF4-FFF2-40B4-BE49-F238E27FC236}">
+                <a16:creationId xmlns:a16="http://schemas.microsoft.com/office/drawing/2014/main" id="{7414C321-B060-35B0-03DB-59A936DDDC4A}"/>
+              </a:ext>
+            </a:extLst>
+          </p:cNvPr>
+          <p:cNvSpPr txBox="1"/>
+          <p:nvPr/>
+        </p:nvSpPr>
+        <p:spPr>
+          <a:xfrm>
+            <a:off x="5384565" y="4705711"/>
+            <a:ext cx="3506865" cy="369332"/>
+          </a:xfrm>
+          <a:prstGeom prst="rect">
+            <a:avLst/>
+          </a:prstGeom>
+          <a:noFill/>
+        </p:spPr>
+        <p:txBody>
+          <a:bodyPr wrap="square" rtlCol="0">
+            <a:spAutoFit/>
+          </a:bodyPr>
+          <a:lstStyle/>
+          <a:p>
+            <a:r>
+              <a:rPr lang="ko-KR" altLang="en-US" b="1" dirty="0">
+                <a:solidFill>
+                  <a:srgbClr val="FF0000"/>
+                </a:solidFill>
+                <a:latin typeface="한컴 말랑말랑 Bold" panose="020F0803000000000000" pitchFamily="50" charset="-127"/>
+                <a:ea typeface="한컴 말랑말랑 Bold" panose="020F0803000000000000" pitchFamily="50" charset="-127"/>
+              </a:rPr>
+              <a:t>파일의 위치를 항상 유념하라</a:t>
+            </a:r>
+            <a:r>
+              <a:rPr lang="en-US" altLang="ko-KR" b="1" dirty="0">
+                <a:solidFill>
+                  <a:srgbClr val="FF0000"/>
+                </a:solidFill>
+                <a:latin typeface="한컴 말랑말랑 Bold" panose="020F0803000000000000" pitchFamily="50" charset="-127"/>
+                <a:ea typeface="한컴 말랑말랑 Bold" panose="020F0803000000000000" pitchFamily="50" charset="-127"/>
+              </a:rPr>
+              <a:t>!</a:t>
+            </a:r>
+            <a:endParaRPr lang="ko-KR" altLang="en-US" b="1" dirty="0">
+              <a:solidFill>
+                <a:srgbClr val="FF0000"/>
+              </a:solidFill>
+              <a:latin typeface="한컴 말랑말랑 Bold" panose="020F0803000000000000" pitchFamily="50" charset="-127"/>
+              <a:ea typeface="한컴 말랑말랑 Bold" panose="020F0803000000000000" pitchFamily="50" charset="-127"/>
+            </a:endParaRPr>
+          </a:p>
+        </p:txBody>
+      </p:sp>
+      <p:pic>
+        <p:nvPicPr>
+          <p:cNvPr id="6" name="그림 5">
+            <a:extLst>
+              <a:ext uri="{FF2B5EF4-FFF2-40B4-BE49-F238E27FC236}">
+                <a16:creationId xmlns:a16="http://schemas.microsoft.com/office/drawing/2014/main" id="{444B1C8D-410D-6BEA-5AD7-A1BEFFB93945}"/>
+              </a:ext>
+            </a:extLst>
+          </p:cNvPr>
+          <p:cNvPicPr>
+            <a:picLocks noChangeAspect="1"/>
+          </p:cNvPicPr>
+          <p:nvPr/>
+        </p:nvPicPr>
+        <p:blipFill>
+          <a:blip r:embed="rId2"/>
+          <a:stretch>
+            <a:fillRect/>
+          </a:stretch>
+        </p:blipFill>
+        <p:spPr>
+          <a:xfrm>
+            <a:off x="5384565" y="982655"/>
+            <a:ext cx="5733528" cy="2936202"/>
+          </a:xfrm>
+          <a:prstGeom prst="rect">
+            <a:avLst/>
+          </a:prstGeom>
+        </p:spPr>
+      </p:pic>
+      <p:pic>
+        <p:nvPicPr>
+          <p:cNvPr id="8" name="그림 7">
+            <a:extLst>
+              <a:ext uri="{FF2B5EF4-FFF2-40B4-BE49-F238E27FC236}">
+                <a16:creationId xmlns:a16="http://schemas.microsoft.com/office/drawing/2014/main" id="{8C502598-9222-0CA1-3FBD-8A1E7A728D8F}"/>
+              </a:ext>
+            </a:extLst>
+          </p:cNvPr>
+          <p:cNvPicPr>
+            <a:picLocks noChangeAspect="1"/>
+          </p:cNvPicPr>
+          <p:nvPr/>
+        </p:nvPicPr>
+        <p:blipFill>
+          <a:blip r:embed="rId3"/>
+          <a:stretch>
+            <a:fillRect/>
+          </a:stretch>
+        </p:blipFill>
+        <p:spPr>
+          <a:xfrm>
+            <a:off x="974143" y="982655"/>
+            <a:ext cx="3781953" cy="4648849"/>
+          </a:xfrm>
+          <a:prstGeom prst="rect">
+            <a:avLst/>
+          </a:prstGeom>
+        </p:spPr>
+      </p:pic>
+      <p:pic>
+        <p:nvPicPr>
+          <p:cNvPr id="10" name="그림 9">
+            <a:extLst>
+              <a:ext uri="{FF2B5EF4-FFF2-40B4-BE49-F238E27FC236}">
+                <a16:creationId xmlns:a16="http://schemas.microsoft.com/office/drawing/2014/main" id="{C55CB737-64C2-05E6-F800-D1541F439F16}"/>
+              </a:ext>
+            </a:extLst>
+          </p:cNvPr>
+          <p:cNvPicPr>
+            <a:picLocks noChangeAspect="1"/>
+          </p:cNvPicPr>
+          <p:nvPr/>
+        </p:nvPicPr>
+        <p:blipFill>
+          <a:blip r:embed="rId4"/>
+          <a:stretch>
+            <a:fillRect/>
+          </a:stretch>
+        </p:blipFill>
+        <p:spPr>
+          <a:xfrm>
+            <a:off x="8442010" y="4224069"/>
+            <a:ext cx="2139052" cy="2305423"/>
+          </a:xfrm>
+          <a:prstGeom prst="rect">
+            <a:avLst/>
+          </a:prstGeom>
+        </p:spPr>
+      </p:pic>
+    </p:spTree>
+    <p:extLst>
+      <p:ext uri="{BB962C8B-B14F-4D97-AF65-F5344CB8AC3E}">
+        <p14:creationId xmlns:p14="http://schemas.microsoft.com/office/powerpoint/2010/main" val="4243499801"/>
+      </p:ext>
+    </p:extLst>
+  </p:cSld>
+  <p:clrMapOvr>
+    <a:masterClrMapping/>
+  </p:clrMapOvr>
+</p:sld>
+</file>
+
+<file path=ppt/slides/slide6.xml><?xml version="1.0" encoding="utf-8"?>
 <p:sld xmlns:a="http://schemas.openxmlformats.org/drawingml/2006/main" xmlns:r="http://schemas.openxmlformats.org/officeDocument/2006/relationships" xmlns:p="http://schemas.openxmlformats.org/presentationml/2006/main">
   <p:cSld>
     <p:spTree>
@@ -9603,7 +10025,7 @@
             <a:fld id="{D57F1E4F-1CFF-5643-939E-217C01CDF565}" type="slidenum">
               <a:rPr lang="en-US" smtClean="0"/>
               <a:pPr/>
-              <a:t>5</a:t>
+              <a:t>6</a:t>
             </a:fld>
             <a:endParaRPr lang="en-US" dirty="0"/>
           </a:p>
@@ -9956,7 +10378,7 @@
 </p:sld>
 </file>
 
-<file path=ppt/slides/slide6.xml><?xml version="1.0" encoding="utf-8"?>
+<file path=ppt/slides/slide7.xml><?xml version="1.0" encoding="utf-8"?>
 <p:sld xmlns:a="http://schemas.openxmlformats.org/drawingml/2006/main" xmlns:r="http://schemas.openxmlformats.org/officeDocument/2006/relationships" xmlns:p="http://schemas.openxmlformats.org/presentationml/2006/main">
   <p:cSld>
     <p:spTree>
@@ -10044,7 +10466,7 @@
             <a:fld id="{D57F1E4F-1CFF-5643-939E-217C01CDF565}" type="slidenum">
               <a:rPr lang="en-US" smtClean="0"/>
               <a:pPr/>
-              <a:t>6</a:t>
+              <a:t>7</a:t>
             </a:fld>
             <a:endParaRPr lang="en-US" dirty="0"/>
           </a:p>
